--- a/pics/2021-07-19-jackknife_and_bootstrap/pics.pptx
+++ b/pics/2021-07-19-jackknife_and_bootstrap/pics.pptx
@@ -7,6 +7,7 @@
   <p:sldIdLst>
     <p:sldId id="256" r:id="rId2"/>
     <p:sldId id="257" r:id="rId3"/>
+    <p:sldId id="258" r:id="rId4"/>
   </p:sldIdLst>
   <p:sldSz cx="9144000" cy="6858000" type="screen4x3"/>
   <p:notesSz cx="6858000" cy="9144000"/>
@@ -3335,8 +3336,8 @@
           </a:p>
         </p:txBody>
       </p:sp>
-      <mc:AlternateContent xmlns:mc="http://schemas.openxmlformats.org/markup-compatibility/2006">
-        <mc:Choice xmlns:a14="http://schemas.microsoft.com/office/drawing/2010/main" Requires="a14">
+      <mc:AlternateContent xmlns:mc="http://schemas.openxmlformats.org/markup-compatibility/2006" xmlns:a14="http://schemas.microsoft.com/office/drawing/2010/main">
+        <mc:Choice Requires="a14">
           <p:sp>
             <p:nvSpPr>
               <p:cNvPr id="8" name="TextBox 7"/>
@@ -3384,7 +3385,7 @@
             </p:txBody>
           </p:sp>
         </mc:Choice>
-        <mc:Fallback>
+        <mc:Fallback xmlns="">
           <p:sp>
             <p:nvSpPr>
               <p:cNvPr id="8" name="TextBox 7"/>
@@ -3683,8 +3684,8 @@
           </a:p>
         </p:txBody>
       </p:sp>
-      <mc:AlternateContent xmlns:mc="http://schemas.openxmlformats.org/markup-compatibility/2006">
-        <mc:Choice xmlns:a14="http://schemas.microsoft.com/office/drawing/2010/main" Requires="a14">
+      <mc:AlternateContent xmlns:mc="http://schemas.openxmlformats.org/markup-compatibility/2006" xmlns:a14="http://schemas.microsoft.com/office/drawing/2010/main">
+        <mc:Choice Requires="a14">
           <p:sp>
             <p:nvSpPr>
               <p:cNvPr id="14" name="TextBox 13"/>
@@ -3732,7 +3733,7 @@
             </p:txBody>
           </p:sp>
         </mc:Choice>
-        <mc:Fallback>
+        <mc:Fallback xmlns="">
           <p:sp>
             <p:nvSpPr>
               <p:cNvPr id="14" name="TextBox 13"/>
@@ -3775,6 +3776,100 @@
     <p:extLst>
       <p:ext uri="{BB962C8B-B14F-4D97-AF65-F5344CB8AC3E}">
         <p14:creationId xmlns:p14="http://schemas.microsoft.com/office/powerpoint/2010/main" val="3457831320"/>
+      </p:ext>
+    </p:extLst>
+  </p:cSld>
+  <p:clrMapOvr>
+    <a:masterClrMapping/>
+  </p:clrMapOvr>
+</p:sld>
+</file>
+
+<file path=ppt/slides/slide3.xml><?xml version="1.0" encoding="utf-8"?>
+<p:sld xmlns:a="http://schemas.openxmlformats.org/drawingml/2006/main" xmlns:r="http://schemas.openxmlformats.org/officeDocument/2006/relationships" xmlns:p="http://schemas.openxmlformats.org/presentationml/2006/main">
+  <p:cSld>
+    <p:spTree>
+      <p:nvGrpSpPr>
+        <p:cNvPr id="1" name=""/>
+        <p:cNvGrpSpPr/>
+        <p:nvPr/>
+      </p:nvGrpSpPr>
+      <p:grpSpPr>
+        <a:xfrm>
+          <a:off x="0" y="0"/>
+          <a:ext cx="0" cy="0"/>
+          <a:chOff x="0" y="0"/>
+          <a:chExt cx="0" cy="0"/>
+        </a:xfrm>
+      </p:grpSpPr>
+      <p:pic>
+        <p:nvPicPr>
+          <p:cNvPr id="1026" name="Picture 2"/>
+          <p:cNvPicPr>
+            <a:picLocks noChangeAspect="1" noChangeArrowheads="1"/>
+          </p:cNvPicPr>
+          <p:nvPr/>
+        </p:nvPicPr>
+        <p:blipFill>
+          <a:blip r:embed="rId2">
+            <a:extLst>
+              <a:ext uri="{28A0092B-C50C-407E-A947-70E740481C1C}">
+                <a14:useLocalDpi xmlns:a14="http://schemas.microsoft.com/office/drawing/2010/main" val="0"/>
+              </a:ext>
+            </a:extLst>
+          </a:blip>
+          <a:srcRect/>
+          <a:stretch>
+            <a:fillRect/>
+          </a:stretch>
+        </p:blipFill>
+        <p:spPr bwMode="auto">
+          <a:xfrm>
+            <a:off x="1909763" y="1433513"/>
+            <a:ext cx="5324475" cy="3990975"/>
+          </a:xfrm>
+          <a:prstGeom prst="rect">
+            <a:avLst/>
+          </a:prstGeom>
+          <a:noFill/>
+          <a:ln>
+            <a:noFill/>
+          </a:ln>
+          <a:effectLst/>
+          <a:extLst>
+            <a:ext uri="{909E8E84-426E-40DD-AFC4-6F175D3DCCD1}">
+              <a14:hiddenFill xmlns:a14="http://schemas.microsoft.com/office/drawing/2010/main">
+                <a:solidFill>
+                  <a:schemeClr val="accent1"/>
+                </a:solidFill>
+              </a14:hiddenFill>
+            </a:ext>
+            <a:ext uri="{91240B29-F687-4F45-9708-019B960494DF}">
+              <a14:hiddenLine xmlns:a14="http://schemas.microsoft.com/office/drawing/2010/main" w="9525">
+                <a:solidFill>
+                  <a:schemeClr val="tx1"/>
+                </a:solidFill>
+                <a:miter lim="800000"/>
+                <a:headEnd/>
+                <a:tailEnd/>
+              </a14:hiddenLine>
+            </a:ext>
+            <a:ext uri="{AF507438-7753-43E0-B8FC-AC1667EBCBE1}">
+              <a14:hiddenEffects xmlns:a14="http://schemas.microsoft.com/office/drawing/2010/main">
+                <a:effectLst>
+                  <a:outerShdw dist="35921" dir="2700000" algn="ctr" rotWithShape="0">
+                    <a:schemeClr val="bg2"/>
+                  </a:outerShdw>
+                </a:effectLst>
+              </a14:hiddenEffects>
+            </a:ext>
+          </a:extLst>
+        </p:spPr>
+      </p:pic>
+    </p:spTree>
+    <p:extLst>
+      <p:ext uri="{BB962C8B-B14F-4D97-AF65-F5344CB8AC3E}">
+        <p14:creationId xmlns:p14="http://schemas.microsoft.com/office/powerpoint/2010/main" val="2390863739"/>
       </p:ext>
     </p:extLst>
   </p:cSld>

--- a/pics/2021-07-19-jackknife_and_bootstrap/pics.pptx
+++ b/pics/2021-07-19-jackknife_and_bootstrap/pics.pptx
@@ -7,7 +7,8 @@
   <p:sldIdLst>
     <p:sldId id="256" r:id="rId2"/>
     <p:sldId id="257" r:id="rId3"/>
-    <p:sldId id="258" r:id="rId4"/>
+    <p:sldId id="259" r:id="rId4"/>
+    <p:sldId id="258" r:id="rId5"/>
   </p:sldIdLst>
   <p:sldSz cx="9144000" cy="6858000" type="screen4x3"/>
   <p:notesSz cx="6858000" cy="9144000"/>
@@ -3786,6 +3787,100 @@
 </file>
 
 <file path=ppt/slides/slide3.xml><?xml version="1.0" encoding="utf-8"?>
+<p:sld xmlns:a="http://schemas.openxmlformats.org/drawingml/2006/main" xmlns:r="http://schemas.openxmlformats.org/officeDocument/2006/relationships" xmlns:p="http://schemas.openxmlformats.org/presentationml/2006/main">
+  <p:cSld>
+    <p:spTree>
+      <p:nvGrpSpPr>
+        <p:cNvPr id="1" name=""/>
+        <p:cNvGrpSpPr/>
+        <p:nvPr/>
+      </p:nvGrpSpPr>
+      <p:grpSpPr>
+        <a:xfrm>
+          <a:off x="0" y="0"/>
+          <a:ext cx="0" cy="0"/>
+          <a:chOff x="0" y="0"/>
+          <a:chExt cx="0" cy="0"/>
+        </a:xfrm>
+      </p:grpSpPr>
+      <p:pic>
+        <p:nvPicPr>
+          <p:cNvPr id="1027" name="Picture 3"/>
+          <p:cNvPicPr>
+            <a:picLocks noChangeAspect="1" noChangeArrowheads="1"/>
+          </p:cNvPicPr>
+          <p:nvPr/>
+        </p:nvPicPr>
+        <p:blipFill>
+          <a:blip r:embed="rId2">
+            <a:extLst>
+              <a:ext uri="{28A0092B-C50C-407E-A947-70E740481C1C}">
+                <a14:useLocalDpi xmlns:a14="http://schemas.microsoft.com/office/drawing/2010/main" val="0"/>
+              </a:ext>
+            </a:extLst>
+          </a:blip>
+          <a:srcRect/>
+          <a:stretch>
+            <a:fillRect/>
+          </a:stretch>
+        </p:blipFill>
+        <p:spPr bwMode="auto">
+          <a:xfrm>
+            <a:off x="1909763" y="1433513"/>
+            <a:ext cx="5324475" cy="3990975"/>
+          </a:xfrm>
+          <a:prstGeom prst="rect">
+            <a:avLst/>
+          </a:prstGeom>
+          <a:noFill/>
+          <a:ln>
+            <a:noFill/>
+          </a:ln>
+          <a:effectLst/>
+          <a:extLst>
+            <a:ext uri="{909E8E84-426E-40DD-AFC4-6F175D3DCCD1}">
+              <a14:hiddenFill xmlns:a14="http://schemas.microsoft.com/office/drawing/2010/main">
+                <a:solidFill>
+                  <a:schemeClr val="accent1"/>
+                </a:solidFill>
+              </a14:hiddenFill>
+            </a:ext>
+            <a:ext uri="{91240B29-F687-4F45-9708-019B960494DF}">
+              <a14:hiddenLine xmlns:a14="http://schemas.microsoft.com/office/drawing/2010/main" w="9525">
+                <a:solidFill>
+                  <a:schemeClr val="tx1"/>
+                </a:solidFill>
+                <a:miter lim="800000"/>
+                <a:headEnd/>
+                <a:tailEnd/>
+              </a14:hiddenLine>
+            </a:ext>
+            <a:ext uri="{AF507438-7753-43E0-B8FC-AC1667EBCBE1}">
+              <a14:hiddenEffects xmlns:a14="http://schemas.microsoft.com/office/drawing/2010/main">
+                <a:effectLst>
+                  <a:outerShdw dist="35921" dir="2700000" algn="ctr" rotWithShape="0">
+                    <a:schemeClr val="bg2"/>
+                  </a:outerShdw>
+                </a:effectLst>
+              </a14:hiddenEffects>
+            </a:ext>
+          </a:extLst>
+        </p:spPr>
+      </p:pic>
+    </p:spTree>
+    <p:extLst>
+      <p:ext uri="{BB962C8B-B14F-4D97-AF65-F5344CB8AC3E}">
+        <p14:creationId xmlns:p14="http://schemas.microsoft.com/office/powerpoint/2010/main" val="3799501254"/>
+      </p:ext>
+    </p:extLst>
+  </p:cSld>
+  <p:clrMapOvr>
+    <a:masterClrMapping/>
+  </p:clrMapOvr>
+</p:sld>
+</file>
+
+<file path=ppt/slides/slide4.xml><?xml version="1.0" encoding="utf-8"?>
 <p:sld xmlns:a="http://schemas.openxmlformats.org/drawingml/2006/main" xmlns:r="http://schemas.openxmlformats.org/officeDocument/2006/relationships" xmlns:p="http://schemas.openxmlformats.org/presentationml/2006/main">
   <p:cSld>
     <p:spTree>

--- a/pics/2021-07-19-jackknife_and_bootstrap/pics.pptx
+++ b/pics/2021-07-19-jackknife_and_bootstrap/pics.pptx
@@ -6,9 +6,11 @@
   </p:sldMasterIdLst>
   <p:sldIdLst>
     <p:sldId id="256" r:id="rId2"/>
-    <p:sldId id="257" r:id="rId3"/>
-    <p:sldId id="259" r:id="rId4"/>
-    <p:sldId id="258" r:id="rId5"/>
+    <p:sldId id="260" r:id="rId3"/>
+    <p:sldId id="257" r:id="rId4"/>
+    <p:sldId id="261" r:id="rId5"/>
+    <p:sldId id="259" r:id="rId6"/>
+    <p:sldId id="258" r:id="rId7"/>
   </p:sldIdLst>
   <p:sldSz cx="9144000" cy="6858000" type="screen4x3"/>
   <p:notesSz cx="6858000" cy="9144000"/>
@@ -107,6 +109,22 @@
       </a:defRPr>
     </a:lvl9pPr>
   </p:defaultTextStyle>
+  <p:extLst>
+    <p:ext uri="{EFAFB233-063F-42B5-8137-9DF3F51BA10A}">
+      <p15:sldGuideLst xmlns:p15="http://schemas.microsoft.com/office/powerpoint/2012/main">
+        <p15:guide id="1" orient="horz" pos="2160">
+          <p15:clr>
+            <a:srgbClr val="A4A3A4"/>
+          </p15:clr>
+        </p15:guide>
+        <p15:guide id="2" pos="2880">
+          <p15:clr>
+            <a:srgbClr val="A4A3A4"/>
+          </p15:clr>
+        </p15:guide>
+      </p15:sldGuideLst>
+    </p:ext>
+  </p:extLst>
 </p:presentation>
 </file>
 
@@ -148,10 +166,9 @@
           <a:lstStyle/>
           <a:p>
             <a:r>
-              <a:rPr lang="ko-KR" altLang="en-US" smtClean="0"/>
+              <a:rPr lang="ko-KR" altLang="en-US"/>
               <a:t>마스터 제목 스타일 편집</a:t>
             </a:r>
-            <a:endParaRPr lang="ko-KR" altLang="en-US"/>
           </a:p>
         </p:txBody>
       </p:sp>
@@ -267,10 +284,9 @@
           </a:lstStyle>
           <a:p>
             <a:r>
-              <a:rPr lang="ko-KR" altLang="en-US" smtClean="0"/>
+              <a:rPr lang="ko-KR" altLang="en-US"/>
               <a:t>마스터 부제목 스타일 편집</a:t>
             </a:r>
-            <a:endParaRPr lang="ko-KR" altLang="en-US"/>
           </a:p>
         </p:txBody>
       </p:sp>
@@ -291,7 +307,7 @@
           <a:p>
             <a:fld id="{B756209C-138A-4398-917F-2A34D2A0B0C2}" type="datetimeFigureOut">
               <a:rPr lang="ko-KR" altLang="en-US" smtClean="0"/>
-              <a:t>2021-07-27</a:t>
+              <a:t>2023-05-12</a:t>
             </a:fld>
             <a:endParaRPr lang="ko-KR" altLang="en-US"/>
           </a:p>
@@ -385,10 +401,9 @@
           <a:lstStyle/>
           <a:p>
             <a:r>
-              <a:rPr lang="ko-KR" altLang="en-US" smtClean="0"/>
+              <a:rPr lang="ko-KR" altLang="en-US"/>
               <a:t>마스터 제목 스타일 편집</a:t>
             </a:r>
-            <a:endParaRPr lang="ko-KR" altLang="en-US"/>
           </a:p>
         </p:txBody>
       </p:sp>
@@ -409,38 +424,37 @@
           <a:p>
             <a:pPr lvl="0"/>
             <a:r>
-              <a:rPr lang="ko-KR" altLang="en-US" smtClean="0"/>
+              <a:rPr lang="ko-KR" altLang="en-US"/>
               <a:t>마스터 텍스트 스타일을 편집합니다</a:t>
             </a:r>
           </a:p>
           <a:p>
             <a:pPr lvl="1"/>
             <a:r>
-              <a:rPr lang="ko-KR" altLang="en-US" smtClean="0"/>
+              <a:rPr lang="ko-KR" altLang="en-US"/>
               <a:t>둘째 수준</a:t>
             </a:r>
           </a:p>
           <a:p>
             <a:pPr lvl="2"/>
             <a:r>
-              <a:rPr lang="ko-KR" altLang="en-US" smtClean="0"/>
+              <a:rPr lang="ko-KR" altLang="en-US"/>
               <a:t>셋째 수준</a:t>
             </a:r>
           </a:p>
           <a:p>
             <a:pPr lvl="3"/>
             <a:r>
-              <a:rPr lang="ko-KR" altLang="en-US" smtClean="0"/>
+              <a:rPr lang="ko-KR" altLang="en-US"/>
               <a:t>넷째 수준</a:t>
             </a:r>
           </a:p>
           <a:p>
             <a:pPr lvl="4"/>
             <a:r>
-              <a:rPr lang="ko-KR" altLang="en-US" smtClean="0"/>
+              <a:rPr lang="ko-KR" altLang="en-US"/>
               <a:t>다섯째 수준</a:t>
             </a:r>
-            <a:endParaRPr lang="ko-KR" altLang="en-US"/>
           </a:p>
         </p:txBody>
       </p:sp>
@@ -461,7 +475,7 @@
           <a:p>
             <a:fld id="{B756209C-138A-4398-917F-2A34D2A0B0C2}" type="datetimeFigureOut">
               <a:rPr lang="ko-KR" altLang="en-US" smtClean="0"/>
-              <a:t>2021-07-27</a:t>
+              <a:t>2023-05-12</a:t>
             </a:fld>
             <a:endParaRPr lang="ko-KR" altLang="en-US"/>
           </a:p>
@@ -560,10 +574,9 @@
           <a:lstStyle/>
           <a:p>
             <a:r>
-              <a:rPr lang="ko-KR" altLang="en-US" smtClean="0"/>
+              <a:rPr lang="ko-KR" altLang="en-US"/>
               <a:t>마스터 제목 스타일 편집</a:t>
             </a:r>
-            <a:endParaRPr lang="ko-KR" altLang="en-US"/>
           </a:p>
         </p:txBody>
       </p:sp>
@@ -589,38 +602,37 @@
           <a:p>
             <a:pPr lvl="0"/>
             <a:r>
-              <a:rPr lang="ko-KR" altLang="en-US" smtClean="0"/>
+              <a:rPr lang="ko-KR" altLang="en-US"/>
               <a:t>마스터 텍스트 스타일을 편집합니다</a:t>
             </a:r>
           </a:p>
           <a:p>
             <a:pPr lvl="1"/>
             <a:r>
-              <a:rPr lang="ko-KR" altLang="en-US" smtClean="0"/>
+              <a:rPr lang="ko-KR" altLang="en-US"/>
               <a:t>둘째 수준</a:t>
             </a:r>
           </a:p>
           <a:p>
             <a:pPr lvl="2"/>
             <a:r>
-              <a:rPr lang="ko-KR" altLang="en-US" smtClean="0"/>
+              <a:rPr lang="ko-KR" altLang="en-US"/>
               <a:t>셋째 수준</a:t>
             </a:r>
           </a:p>
           <a:p>
             <a:pPr lvl="3"/>
             <a:r>
-              <a:rPr lang="ko-KR" altLang="en-US" smtClean="0"/>
+              <a:rPr lang="ko-KR" altLang="en-US"/>
               <a:t>넷째 수준</a:t>
             </a:r>
           </a:p>
           <a:p>
             <a:pPr lvl="4"/>
             <a:r>
-              <a:rPr lang="ko-KR" altLang="en-US" smtClean="0"/>
+              <a:rPr lang="ko-KR" altLang="en-US"/>
               <a:t>다섯째 수준</a:t>
             </a:r>
-            <a:endParaRPr lang="ko-KR" altLang="en-US"/>
           </a:p>
         </p:txBody>
       </p:sp>
@@ -641,7 +653,7 @@
           <a:p>
             <a:fld id="{B756209C-138A-4398-917F-2A34D2A0B0C2}" type="datetimeFigureOut">
               <a:rPr lang="ko-KR" altLang="en-US" smtClean="0"/>
-              <a:t>2021-07-27</a:t>
+              <a:t>2023-05-12</a:t>
             </a:fld>
             <a:endParaRPr lang="ko-KR" altLang="en-US"/>
           </a:p>
@@ -735,10 +747,9 @@
           <a:lstStyle/>
           <a:p>
             <a:r>
-              <a:rPr lang="ko-KR" altLang="en-US" smtClean="0"/>
+              <a:rPr lang="ko-KR" altLang="en-US"/>
               <a:t>마스터 제목 스타일 편집</a:t>
             </a:r>
-            <a:endParaRPr lang="ko-KR" altLang="en-US"/>
           </a:p>
         </p:txBody>
       </p:sp>
@@ -759,38 +770,37 @@
           <a:p>
             <a:pPr lvl="0"/>
             <a:r>
-              <a:rPr lang="ko-KR" altLang="en-US" smtClean="0"/>
+              <a:rPr lang="ko-KR" altLang="en-US"/>
               <a:t>마스터 텍스트 스타일을 편집합니다</a:t>
             </a:r>
           </a:p>
           <a:p>
             <a:pPr lvl="1"/>
             <a:r>
-              <a:rPr lang="ko-KR" altLang="en-US" smtClean="0"/>
+              <a:rPr lang="ko-KR" altLang="en-US"/>
               <a:t>둘째 수준</a:t>
             </a:r>
           </a:p>
           <a:p>
             <a:pPr lvl="2"/>
             <a:r>
-              <a:rPr lang="ko-KR" altLang="en-US" smtClean="0"/>
+              <a:rPr lang="ko-KR" altLang="en-US"/>
               <a:t>셋째 수준</a:t>
             </a:r>
           </a:p>
           <a:p>
             <a:pPr lvl="3"/>
             <a:r>
-              <a:rPr lang="ko-KR" altLang="en-US" smtClean="0"/>
+              <a:rPr lang="ko-KR" altLang="en-US"/>
               <a:t>넷째 수준</a:t>
             </a:r>
           </a:p>
           <a:p>
             <a:pPr lvl="4"/>
             <a:r>
-              <a:rPr lang="ko-KR" altLang="en-US" smtClean="0"/>
+              <a:rPr lang="ko-KR" altLang="en-US"/>
               <a:t>다섯째 수준</a:t>
             </a:r>
-            <a:endParaRPr lang="ko-KR" altLang="en-US"/>
           </a:p>
         </p:txBody>
       </p:sp>
@@ -811,7 +821,7 @@
           <a:p>
             <a:fld id="{B756209C-138A-4398-917F-2A34D2A0B0C2}" type="datetimeFigureOut">
               <a:rPr lang="ko-KR" altLang="en-US" smtClean="0"/>
-              <a:t>2021-07-27</a:t>
+              <a:t>2023-05-12</a:t>
             </a:fld>
             <a:endParaRPr lang="ko-KR" altLang="en-US"/>
           </a:p>
@@ -914,10 +924,9 @@
           </a:lstStyle>
           <a:p>
             <a:r>
-              <a:rPr lang="ko-KR" altLang="en-US" smtClean="0"/>
+              <a:rPr lang="ko-KR" altLang="en-US"/>
               <a:t>마스터 제목 스타일 편집</a:t>
             </a:r>
-            <a:endParaRPr lang="ko-KR" altLang="en-US"/>
           </a:p>
         </p:txBody>
       </p:sp>
@@ -1034,7 +1043,7 @@
           <a:p>
             <a:pPr lvl="0"/>
             <a:r>
-              <a:rPr lang="ko-KR" altLang="en-US" smtClean="0"/>
+              <a:rPr lang="ko-KR" altLang="en-US"/>
               <a:t>마스터 텍스트 스타일을 편집합니다</a:t>
             </a:r>
           </a:p>
@@ -1057,7 +1066,7 @@
           <a:p>
             <a:fld id="{B756209C-138A-4398-917F-2A34D2A0B0C2}" type="datetimeFigureOut">
               <a:rPr lang="ko-KR" altLang="en-US" smtClean="0"/>
-              <a:t>2021-07-27</a:t>
+              <a:t>2023-05-12</a:t>
             </a:fld>
             <a:endParaRPr lang="ko-KR" altLang="en-US"/>
           </a:p>
@@ -1151,10 +1160,9 @@
           <a:lstStyle/>
           <a:p>
             <a:r>
-              <a:rPr lang="ko-KR" altLang="en-US" smtClean="0"/>
+              <a:rPr lang="ko-KR" altLang="en-US"/>
               <a:t>마스터 제목 스타일 편집</a:t>
             </a:r>
-            <a:endParaRPr lang="ko-KR" altLang="en-US"/>
           </a:p>
         </p:txBody>
       </p:sp>
@@ -1208,38 +1216,37 @@
           <a:p>
             <a:pPr lvl="0"/>
             <a:r>
-              <a:rPr lang="ko-KR" altLang="en-US" smtClean="0"/>
+              <a:rPr lang="ko-KR" altLang="en-US"/>
               <a:t>마스터 텍스트 스타일을 편집합니다</a:t>
             </a:r>
           </a:p>
           <a:p>
             <a:pPr lvl="1"/>
             <a:r>
-              <a:rPr lang="ko-KR" altLang="en-US" smtClean="0"/>
+              <a:rPr lang="ko-KR" altLang="en-US"/>
               <a:t>둘째 수준</a:t>
             </a:r>
           </a:p>
           <a:p>
             <a:pPr lvl="2"/>
             <a:r>
-              <a:rPr lang="ko-KR" altLang="en-US" smtClean="0"/>
+              <a:rPr lang="ko-KR" altLang="en-US"/>
               <a:t>셋째 수준</a:t>
             </a:r>
           </a:p>
           <a:p>
             <a:pPr lvl="3"/>
             <a:r>
-              <a:rPr lang="ko-KR" altLang="en-US" smtClean="0"/>
+              <a:rPr lang="ko-KR" altLang="en-US"/>
               <a:t>넷째 수준</a:t>
             </a:r>
           </a:p>
           <a:p>
             <a:pPr lvl="4"/>
             <a:r>
-              <a:rPr lang="ko-KR" altLang="en-US" smtClean="0"/>
+              <a:rPr lang="ko-KR" altLang="en-US"/>
               <a:t>다섯째 수준</a:t>
             </a:r>
-            <a:endParaRPr lang="ko-KR" altLang="en-US"/>
           </a:p>
         </p:txBody>
       </p:sp>
@@ -1293,38 +1300,37 @@
           <a:p>
             <a:pPr lvl="0"/>
             <a:r>
-              <a:rPr lang="ko-KR" altLang="en-US" smtClean="0"/>
+              <a:rPr lang="ko-KR" altLang="en-US"/>
               <a:t>마스터 텍스트 스타일을 편집합니다</a:t>
             </a:r>
           </a:p>
           <a:p>
             <a:pPr lvl="1"/>
             <a:r>
-              <a:rPr lang="ko-KR" altLang="en-US" smtClean="0"/>
+              <a:rPr lang="ko-KR" altLang="en-US"/>
               <a:t>둘째 수준</a:t>
             </a:r>
           </a:p>
           <a:p>
             <a:pPr lvl="2"/>
             <a:r>
-              <a:rPr lang="ko-KR" altLang="en-US" smtClean="0"/>
+              <a:rPr lang="ko-KR" altLang="en-US"/>
               <a:t>셋째 수준</a:t>
             </a:r>
           </a:p>
           <a:p>
             <a:pPr lvl="3"/>
             <a:r>
-              <a:rPr lang="ko-KR" altLang="en-US" smtClean="0"/>
+              <a:rPr lang="ko-KR" altLang="en-US"/>
               <a:t>넷째 수준</a:t>
             </a:r>
           </a:p>
           <a:p>
             <a:pPr lvl="4"/>
             <a:r>
-              <a:rPr lang="ko-KR" altLang="en-US" smtClean="0"/>
+              <a:rPr lang="ko-KR" altLang="en-US"/>
               <a:t>다섯째 수준</a:t>
             </a:r>
-            <a:endParaRPr lang="ko-KR" altLang="en-US"/>
           </a:p>
         </p:txBody>
       </p:sp>
@@ -1345,7 +1351,7 @@
           <a:p>
             <a:fld id="{B756209C-138A-4398-917F-2A34D2A0B0C2}" type="datetimeFigureOut">
               <a:rPr lang="ko-KR" altLang="en-US" smtClean="0"/>
-              <a:t>2021-07-27</a:t>
+              <a:t>2023-05-12</a:t>
             </a:fld>
             <a:endParaRPr lang="ko-KR" altLang="en-US"/>
           </a:p>
@@ -1443,10 +1449,9 @@
           </a:lstStyle>
           <a:p>
             <a:r>
-              <a:rPr lang="ko-KR" altLang="en-US" smtClean="0"/>
+              <a:rPr lang="ko-KR" altLang="en-US"/>
               <a:t>마스터 제목 스타일 편집</a:t>
             </a:r>
-            <a:endParaRPr lang="ko-KR" altLang="en-US"/>
           </a:p>
         </p:txBody>
       </p:sp>
@@ -1509,7 +1514,7 @@
           <a:p>
             <a:pPr lvl="0"/>
             <a:r>
-              <a:rPr lang="ko-KR" altLang="en-US" smtClean="0"/>
+              <a:rPr lang="ko-KR" altLang="en-US"/>
               <a:t>마스터 텍스트 스타일을 편집합니다</a:t>
             </a:r>
           </a:p>
@@ -1565,38 +1570,37 @@
           <a:p>
             <a:pPr lvl="0"/>
             <a:r>
-              <a:rPr lang="ko-KR" altLang="en-US" smtClean="0"/>
+              <a:rPr lang="ko-KR" altLang="en-US"/>
               <a:t>마스터 텍스트 스타일을 편집합니다</a:t>
             </a:r>
           </a:p>
           <a:p>
             <a:pPr lvl="1"/>
             <a:r>
-              <a:rPr lang="ko-KR" altLang="en-US" smtClean="0"/>
+              <a:rPr lang="ko-KR" altLang="en-US"/>
               <a:t>둘째 수준</a:t>
             </a:r>
           </a:p>
           <a:p>
             <a:pPr lvl="2"/>
             <a:r>
-              <a:rPr lang="ko-KR" altLang="en-US" smtClean="0"/>
+              <a:rPr lang="ko-KR" altLang="en-US"/>
               <a:t>셋째 수준</a:t>
             </a:r>
           </a:p>
           <a:p>
             <a:pPr lvl="3"/>
             <a:r>
-              <a:rPr lang="ko-KR" altLang="en-US" smtClean="0"/>
+              <a:rPr lang="ko-KR" altLang="en-US"/>
               <a:t>넷째 수준</a:t>
             </a:r>
           </a:p>
           <a:p>
             <a:pPr lvl="4"/>
             <a:r>
-              <a:rPr lang="ko-KR" altLang="en-US" smtClean="0"/>
+              <a:rPr lang="ko-KR" altLang="en-US"/>
               <a:t>다섯째 수준</a:t>
             </a:r>
-            <a:endParaRPr lang="ko-KR" altLang="en-US"/>
           </a:p>
         </p:txBody>
       </p:sp>
@@ -1659,7 +1663,7 @@
           <a:p>
             <a:pPr lvl="0"/>
             <a:r>
-              <a:rPr lang="ko-KR" altLang="en-US" smtClean="0"/>
+              <a:rPr lang="ko-KR" altLang="en-US"/>
               <a:t>마스터 텍스트 스타일을 편집합니다</a:t>
             </a:r>
           </a:p>
@@ -1715,38 +1719,37 @@
           <a:p>
             <a:pPr lvl="0"/>
             <a:r>
-              <a:rPr lang="ko-KR" altLang="en-US" smtClean="0"/>
+              <a:rPr lang="ko-KR" altLang="en-US"/>
               <a:t>마스터 텍스트 스타일을 편집합니다</a:t>
             </a:r>
           </a:p>
           <a:p>
             <a:pPr lvl="1"/>
             <a:r>
-              <a:rPr lang="ko-KR" altLang="en-US" smtClean="0"/>
+              <a:rPr lang="ko-KR" altLang="en-US"/>
               <a:t>둘째 수준</a:t>
             </a:r>
           </a:p>
           <a:p>
             <a:pPr lvl="2"/>
             <a:r>
-              <a:rPr lang="ko-KR" altLang="en-US" smtClean="0"/>
+              <a:rPr lang="ko-KR" altLang="en-US"/>
               <a:t>셋째 수준</a:t>
             </a:r>
           </a:p>
           <a:p>
             <a:pPr lvl="3"/>
             <a:r>
-              <a:rPr lang="ko-KR" altLang="en-US" smtClean="0"/>
+              <a:rPr lang="ko-KR" altLang="en-US"/>
               <a:t>넷째 수준</a:t>
             </a:r>
           </a:p>
           <a:p>
             <a:pPr lvl="4"/>
             <a:r>
-              <a:rPr lang="ko-KR" altLang="en-US" smtClean="0"/>
+              <a:rPr lang="ko-KR" altLang="en-US"/>
               <a:t>다섯째 수준</a:t>
             </a:r>
-            <a:endParaRPr lang="ko-KR" altLang="en-US"/>
           </a:p>
         </p:txBody>
       </p:sp>
@@ -1767,7 +1770,7 @@
           <a:p>
             <a:fld id="{B756209C-138A-4398-917F-2A34D2A0B0C2}" type="datetimeFigureOut">
               <a:rPr lang="ko-KR" altLang="en-US" smtClean="0"/>
-              <a:t>2021-07-27</a:t>
+              <a:t>2023-05-12</a:t>
             </a:fld>
             <a:endParaRPr lang="ko-KR" altLang="en-US"/>
           </a:p>
@@ -1861,10 +1864,9 @@
           <a:lstStyle/>
           <a:p>
             <a:r>
-              <a:rPr lang="ko-KR" altLang="en-US" smtClean="0"/>
+              <a:rPr lang="ko-KR" altLang="en-US"/>
               <a:t>마스터 제목 스타일 편집</a:t>
             </a:r>
-            <a:endParaRPr lang="ko-KR" altLang="en-US"/>
           </a:p>
         </p:txBody>
       </p:sp>
@@ -1885,7 +1887,7 @@
           <a:p>
             <a:fld id="{B756209C-138A-4398-917F-2A34D2A0B0C2}" type="datetimeFigureOut">
               <a:rPr lang="ko-KR" altLang="en-US" smtClean="0"/>
-              <a:t>2021-07-27</a:t>
+              <a:t>2023-05-12</a:t>
             </a:fld>
             <a:endParaRPr lang="ko-KR" altLang="en-US"/>
           </a:p>
@@ -1980,7 +1982,7 @@
           <a:p>
             <a:fld id="{B756209C-138A-4398-917F-2A34D2A0B0C2}" type="datetimeFigureOut">
               <a:rPr lang="ko-KR" altLang="en-US" smtClean="0"/>
-              <a:t>2021-07-27</a:t>
+              <a:t>2023-05-12</a:t>
             </a:fld>
             <a:endParaRPr lang="ko-KR" altLang="en-US"/>
           </a:p>
@@ -2083,10 +2085,9 @@
           </a:lstStyle>
           <a:p>
             <a:r>
-              <a:rPr lang="ko-KR" altLang="en-US" smtClean="0"/>
+              <a:rPr lang="ko-KR" altLang="en-US"/>
               <a:t>마스터 제목 스타일 편집</a:t>
             </a:r>
-            <a:endParaRPr lang="ko-KR" altLang="en-US"/>
           </a:p>
         </p:txBody>
       </p:sp>
@@ -2140,38 +2141,37 @@
           <a:p>
             <a:pPr lvl="0"/>
             <a:r>
-              <a:rPr lang="ko-KR" altLang="en-US" smtClean="0"/>
+              <a:rPr lang="ko-KR" altLang="en-US"/>
               <a:t>마스터 텍스트 스타일을 편집합니다</a:t>
             </a:r>
           </a:p>
           <a:p>
             <a:pPr lvl="1"/>
             <a:r>
-              <a:rPr lang="ko-KR" altLang="en-US" smtClean="0"/>
+              <a:rPr lang="ko-KR" altLang="en-US"/>
               <a:t>둘째 수준</a:t>
             </a:r>
           </a:p>
           <a:p>
             <a:pPr lvl="2"/>
             <a:r>
-              <a:rPr lang="ko-KR" altLang="en-US" smtClean="0"/>
+              <a:rPr lang="ko-KR" altLang="en-US"/>
               <a:t>셋째 수준</a:t>
             </a:r>
           </a:p>
           <a:p>
             <a:pPr lvl="3"/>
             <a:r>
-              <a:rPr lang="ko-KR" altLang="en-US" smtClean="0"/>
+              <a:rPr lang="ko-KR" altLang="en-US"/>
               <a:t>넷째 수준</a:t>
             </a:r>
           </a:p>
           <a:p>
             <a:pPr lvl="4"/>
             <a:r>
-              <a:rPr lang="ko-KR" altLang="en-US" smtClean="0"/>
+              <a:rPr lang="ko-KR" altLang="en-US"/>
               <a:t>다섯째 수준</a:t>
             </a:r>
-            <a:endParaRPr lang="ko-KR" altLang="en-US"/>
           </a:p>
         </p:txBody>
       </p:sp>
@@ -2234,7 +2234,7 @@
           <a:p>
             <a:pPr lvl="0"/>
             <a:r>
-              <a:rPr lang="ko-KR" altLang="en-US" smtClean="0"/>
+              <a:rPr lang="ko-KR" altLang="en-US"/>
               <a:t>마스터 텍스트 스타일을 편집합니다</a:t>
             </a:r>
           </a:p>
@@ -2257,7 +2257,7 @@
           <a:p>
             <a:fld id="{B756209C-138A-4398-917F-2A34D2A0B0C2}" type="datetimeFigureOut">
               <a:rPr lang="ko-KR" altLang="en-US" smtClean="0"/>
-              <a:t>2021-07-27</a:t>
+              <a:t>2023-05-12</a:t>
             </a:fld>
             <a:endParaRPr lang="ko-KR" altLang="en-US"/>
           </a:p>
@@ -2360,10 +2360,9 @@
           </a:lstStyle>
           <a:p>
             <a:r>
-              <a:rPr lang="ko-KR" altLang="en-US" smtClean="0"/>
+              <a:rPr lang="ko-KR" altLang="en-US"/>
               <a:t>마스터 제목 스타일 편집</a:t>
             </a:r>
-            <a:endParaRPr lang="ko-KR" altLang="en-US"/>
           </a:p>
         </p:txBody>
       </p:sp>
@@ -2487,7 +2486,7 @@
           <a:p>
             <a:pPr lvl="0"/>
             <a:r>
-              <a:rPr lang="ko-KR" altLang="en-US" smtClean="0"/>
+              <a:rPr lang="ko-KR" altLang="en-US"/>
               <a:t>마스터 텍스트 스타일을 편집합니다</a:t>
             </a:r>
           </a:p>
@@ -2510,7 +2509,7 @@
           <a:p>
             <a:fld id="{B756209C-138A-4398-917F-2A34D2A0B0C2}" type="datetimeFigureOut">
               <a:rPr lang="ko-KR" altLang="en-US" smtClean="0"/>
-              <a:t>2021-07-27</a:t>
+              <a:t>2023-05-12</a:t>
             </a:fld>
             <a:endParaRPr lang="ko-KR" altLang="en-US"/>
           </a:p>
@@ -2619,10 +2618,9 @@
           <a:lstStyle/>
           <a:p>
             <a:r>
-              <a:rPr lang="ko-KR" altLang="en-US" smtClean="0"/>
+              <a:rPr lang="ko-KR" altLang="en-US"/>
               <a:t>마스터 제목 스타일 편집</a:t>
             </a:r>
-            <a:endParaRPr lang="ko-KR" altLang="en-US"/>
           </a:p>
         </p:txBody>
       </p:sp>
@@ -2653,38 +2651,37 @@
           <a:p>
             <a:pPr lvl="0"/>
             <a:r>
-              <a:rPr lang="ko-KR" altLang="en-US" smtClean="0"/>
+              <a:rPr lang="ko-KR" altLang="en-US"/>
               <a:t>마스터 텍스트 스타일을 편집합니다</a:t>
             </a:r>
           </a:p>
           <a:p>
             <a:pPr lvl="1"/>
             <a:r>
-              <a:rPr lang="ko-KR" altLang="en-US" smtClean="0"/>
+              <a:rPr lang="ko-KR" altLang="en-US"/>
               <a:t>둘째 수준</a:t>
             </a:r>
           </a:p>
           <a:p>
             <a:pPr lvl="2"/>
             <a:r>
-              <a:rPr lang="ko-KR" altLang="en-US" smtClean="0"/>
+              <a:rPr lang="ko-KR" altLang="en-US"/>
               <a:t>셋째 수준</a:t>
             </a:r>
           </a:p>
           <a:p>
             <a:pPr lvl="3"/>
             <a:r>
-              <a:rPr lang="ko-KR" altLang="en-US" smtClean="0"/>
+              <a:rPr lang="ko-KR" altLang="en-US"/>
               <a:t>넷째 수준</a:t>
             </a:r>
           </a:p>
           <a:p>
             <a:pPr lvl="4"/>
             <a:r>
-              <a:rPr lang="ko-KR" altLang="en-US" smtClean="0"/>
+              <a:rPr lang="ko-KR" altLang="en-US"/>
               <a:t>다섯째 수준</a:t>
             </a:r>
-            <a:endParaRPr lang="ko-KR" altLang="en-US"/>
           </a:p>
         </p:txBody>
       </p:sp>
@@ -2723,7 +2720,7 @@
           <a:p>
             <a:fld id="{B756209C-138A-4398-917F-2A34D2A0B0C2}" type="datetimeFigureOut">
               <a:rPr lang="ko-KR" altLang="en-US" smtClean="0"/>
-              <a:t>2021-07-27</a:t>
+              <a:t>2023-05-12</a:t>
             </a:fld>
             <a:endParaRPr lang="ko-KR" altLang="en-US"/>
           </a:p>
@@ -3186,16 +3183,12 @@
           <a:p>
             <a:pPr algn="ctr"/>
             <a:r>
-              <a:rPr lang="ko-KR" altLang="en-US" dirty="0" smtClean="0">
+              <a:rPr lang="ko-KR" altLang="en-US" dirty="0">
                 <a:latin typeface="KoPub돋움체 Bold" pitchFamily="2" charset="-127"/>
                 <a:ea typeface="KoPub돋움체 Bold" pitchFamily="2" charset="-127"/>
               </a:rPr>
               <a:t>주어진 데이터 셋</a:t>
             </a:r>
-            <a:endParaRPr lang="ko-KR" altLang="en-US" dirty="0">
-              <a:latin typeface="KoPub돋움체 Bold" pitchFamily="2" charset="-127"/>
-              <a:ea typeface="KoPub돋움체 Bold" pitchFamily="2" charset="-127"/>
-            </a:endParaRPr>
           </a:p>
         </p:txBody>
       </p:sp>
@@ -3213,6 +3206,137 @@
 </file>
 
 <file path=ppt/slides/slide2.xml><?xml version="1.0" encoding="utf-8"?>
+<p:sld xmlns:a="http://schemas.openxmlformats.org/drawingml/2006/main" xmlns:r="http://schemas.openxmlformats.org/officeDocument/2006/relationships" xmlns:p="http://schemas.openxmlformats.org/presentationml/2006/main">
+  <p:cSld>
+    <p:spTree>
+      <p:nvGrpSpPr>
+        <p:cNvPr id="1" name=""/>
+        <p:cNvGrpSpPr/>
+        <p:nvPr/>
+      </p:nvGrpSpPr>
+      <p:grpSpPr>
+        <a:xfrm>
+          <a:off x="0" y="0"/>
+          <a:ext cx="0" cy="0"/>
+          <a:chOff x="0" y="0"/>
+          <a:chExt cx="0" cy="0"/>
+        </a:xfrm>
+      </p:grpSpPr>
+      <p:pic>
+        <p:nvPicPr>
+          <p:cNvPr id="1027" name="Picture 3"/>
+          <p:cNvPicPr>
+            <a:picLocks noChangeAspect="1" noChangeArrowheads="1"/>
+          </p:cNvPicPr>
+          <p:nvPr/>
+        </p:nvPicPr>
+        <p:blipFill>
+          <a:blip r:embed="rId2">
+            <a:extLst>
+              <a:ext uri="{28A0092B-C50C-407E-A947-70E740481C1C}">
+                <a14:useLocalDpi xmlns:a14="http://schemas.microsoft.com/office/drawing/2010/main" val="0"/>
+              </a:ext>
+            </a:extLst>
+          </a:blip>
+          <a:srcRect/>
+          <a:stretch>
+            <a:fillRect/>
+          </a:stretch>
+        </p:blipFill>
+        <p:spPr bwMode="auto">
+          <a:xfrm>
+            <a:off x="1909763" y="1433513"/>
+            <a:ext cx="5324475" cy="3990975"/>
+          </a:xfrm>
+          <a:prstGeom prst="rect">
+            <a:avLst/>
+          </a:prstGeom>
+          <a:noFill/>
+          <a:ln>
+            <a:noFill/>
+          </a:ln>
+          <a:effectLst/>
+          <a:extLst>
+            <a:ext uri="{909E8E84-426E-40DD-AFC4-6F175D3DCCD1}">
+              <a14:hiddenFill xmlns:a14="http://schemas.microsoft.com/office/drawing/2010/main">
+                <a:solidFill>
+                  <a:schemeClr val="accent1"/>
+                </a:solidFill>
+              </a14:hiddenFill>
+            </a:ext>
+            <a:ext uri="{91240B29-F687-4F45-9708-019B960494DF}">
+              <a14:hiddenLine xmlns:a14="http://schemas.microsoft.com/office/drawing/2010/main" w="9525">
+                <a:solidFill>
+                  <a:schemeClr val="tx1"/>
+                </a:solidFill>
+                <a:miter lim="800000"/>
+                <a:headEnd/>
+                <a:tailEnd/>
+              </a14:hiddenLine>
+            </a:ext>
+            <a:ext uri="{AF507438-7753-43E0-B8FC-AC1667EBCBE1}">
+              <a14:hiddenEffects xmlns:a14="http://schemas.microsoft.com/office/drawing/2010/main">
+                <a:effectLst>
+                  <a:outerShdw dist="35921" dir="2700000" algn="ctr" rotWithShape="0">
+                    <a:schemeClr val="bg2"/>
+                  </a:outerShdw>
+                </a:effectLst>
+              </a14:hiddenEffects>
+            </a:ext>
+          </a:extLst>
+        </p:spPr>
+      </p:pic>
+      <p:sp>
+        <p:nvSpPr>
+          <p:cNvPr id="4" name="TextBox 3"/>
+          <p:cNvSpPr txBox="1"/>
+          <p:nvPr/>
+        </p:nvSpPr>
+        <p:spPr>
+          <a:xfrm>
+            <a:off x="3783870" y="2594973"/>
+            <a:ext cx="1576265" cy="369332"/>
+          </a:xfrm>
+          <a:prstGeom prst="rect">
+            <a:avLst/>
+          </a:prstGeom>
+          <a:noFill/>
+        </p:spPr>
+        <p:txBody>
+          <a:bodyPr wrap="none" rtlCol="0">
+            <a:spAutoFit/>
+          </a:bodyPr>
+          <a:lstStyle/>
+          <a:p>
+            <a:pPr algn="ctr"/>
+            <a:r>
+              <a:rPr lang="en-US" altLang="ko-KR" dirty="0">
+                <a:latin typeface="KoPub돋움체 Bold" pitchFamily="2" charset="-127"/>
+                <a:ea typeface="KoPub돋움체 Bold" pitchFamily="2" charset="-127"/>
+              </a:rPr>
+              <a:t>given dataset</a:t>
+            </a:r>
+            <a:endParaRPr lang="ko-KR" altLang="en-US" dirty="0">
+              <a:latin typeface="KoPub돋움체 Bold" pitchFamily="2" charset="-127"/>
+              <a:ea typeface="KoPub돋움체 Bold" pitchFamily="2" charset="-127"/>
+            </a:endParaRPr>
+          </a:p>
+        </p:txBody>
+      </p:sp>
+    </p:spTree>
+    <p:extLst>
+      <p:ext uri="{BB962C8B-B14F-4D97-AF65-F5344CB8AC3E}">
+        <p14:creationId xmlns:p14="http://schemas.microsoft.com/office/powerpoint/2010/main" val="835010416"/>
+      </p:ext>
+    </p:extLst>
+  </p:cSld>
+  <p:clrMapOvr>
+    <a:masterClrMapping/>
+  </p:clrMapOvr>
+</p:sld>
+</file>
+
+<file path=ppt/slides/slide3.xml><?xml version="1.0" encoding="utf-8"?>
 <p:sld xmlns:a="http://schemas.openxmlformats.org/drawingml/2006/main" xmlns:r="http://schemas.openxmlformats.org/officeDocument/2006/relationships" xmlns:p="http://schemas.openxmlformats.org/presentationml/2006/main">
   <p:cSld>
     <p:spTree>
@@ -3317,23 +3441,19 @@
           <a:p>
             <a:pPr algn="ctr"/>
             <a:r>
-              <a:rPr lang="en-US" altLang="ko-KR" dirty="0" smtClean="0">
+              <a:rPr lang="en-US" altLang="ko-KR" dirty="0">
                 <a:latin typeface="KoPub돋움체 Bold" pitchFamily="2" charset="-127"/>
                 <a:ea typeface="KoPub돋움체 Bold" pitchFamily="2" charset="-127"/>
               </a:rPr>
               <a:t>resample</a:t>
             </a:r>
             <a:r>
-              <a:rPr lang="ko-KR" altLang="en-US" dirty="0" smtClean="0">
+              <a:rPr lang="ko-KR" altLang="en-US" dirty="0">
                 <a:latin typeface="KoPub돋움체 Bold" pitchFamily="2" charset="-127"/>
                 <a:ea typeface="KoPub돋움체 Bold" pitchFamily="2" charset="-127"/>
               </a:rPr>
               <a:t>을 통해 재구성한 데이터 셋</a:t>
             </a:r>
-            <a:endParaRPr lang="ko-KR" altLang="en-US" dirty="0">
-              <a:latin typeface="KoPub돋움체 Bold" pitchFamily="2" charset="-127"/>
-              <a:ea typeface="KoPub돋움체 Bold" pitchFamily="2" charset="-127"/>
-            </a:endParaRPr>
           </a:p>
         </p:txBody>
       </p:sp>
@@ -3449,21 +3569,21 @@
           <a:p>
             <a:pPr algn="ctr"/>
             <a:r>
-              <a:rPr lang="en-US" altLang="ko-KR" dirty="0" smtClean="0">
+              <a:rPr lang="en-US" altLang="ko-KR" dirty="0">
                 <a:latin typeface="KoPub돋움체 Bold" pitchFamily="2" charset="-127"/>
                 <a:ea typeface="KoPub돋움체 Bold" pitchFamily="2" charset="-127"/>
               </a:rPr>
               <a:t>1</a:t>
             </a:r>
             <a:r>
-              <a:rPr lang="ko-KR" altLang="en-US" dirty="0" smtClean="0">
+              <a:rPr lang="ko-KR" altLang="en-US" dirty="0">
                 <a:latin typeface="KoPub돋움체 Bold" pitchFamily="2" charset="-127"/>
                 <a:ea typeface="KoPub돋움체 Bold" pitchFamily="2" charset="-127"/>
               </a:rPr>
               <a:t>회차 </a:t>
             </a:r>
             <a:r>
-              <a:rPr lang="en-US" altLang="ko-KR" dirty="0" smtClean="0">
+              <a:rPr lang="en-US" altLang="ko-KR" dirty="0">
                 <a:latin typeface="KoPub돋움체 Bold" pitchFamily="2" charset="-127"/>
                 <a:ea typeface="KoPub돋움체 Bold" pitchFamily="2" charset="-127"/>
                 <a:sym typeface="Wingdings" pitchFamily="2" charset="2"/>
@@ -3501,21 +3621,21 @@
           <a:p>
             <a:pPr algn="ctr"/>
             <a:r>
-              <a:rPr lang="en-US" altLang="ko-KR" dirty="0" smtClean="0">
+              <a:rPr lang="en-US" altLang="ko-KR" dirty="0">
                 <a:latin typeface="KoPub돋움체 Bold" pitchFamily="2" charset="-127"/>
                 <a:ea typeface="KoPub돋움체 Bold" pitchFamily="2" charset="-127"/>
               </a:rPr>
               <a:t>2</a:t>
             </a:r>
             <a:r>
-              <a:rPr lang="ko-KR" altLang="en-US" dirty="0" smtClean="0">
+              <a:rPr lang="ko-KR" altLang="en-US" dirty="0">
                 <a:latin typeface="KoPub돋움체 Bold" pitchFamily="2" charset="-127"/>
                 <a:ea typeface="KoPub돋움체 Bold" pitchFamily="2" charset="-127"/>
               </a:rPr>
               <a:t>회차 </a:t>
             </a:r>
             <a:r>
-              <a:rPr lang="en-US" altLang="ko-KR" dirty="0" smtClean="0">
+              <a:rPr lang="en-US" altLang="ko-KR" dirty="0">
                 <a:latin typeface="KoPub돋움체 Bold" pitchFamily="2" charset="-127"/>
                 <a:ea typeface="KoPub돋움체 Bold" pitchFamily="2" charset="-127"/>
                 <a:sym typeface="Wingdings" pitchFamily="2" charset="2"/>
@@ -3553,21 +3673,21 @@
           <a:p>
             <a:pPr algn="ctr"/>
             <a:r>
-              <a:rPr lang="en-US" altLang="ko-KR" dirty="0" smtClean="0">
+              <a:rPr lang="en-US" altLang="ko-KR" dirty="0">
                 <a:latin typeface="KoPub돋움체 Bold" pitchFamily="2" charset="-127"/>
                 <a:ea typeface="KoPub돋움체 Bold" pitchFamily="2" charset="-127"/>
               </a:rPr>
               <a:t>3</a:t>
             </a:r>
             <a:r>
-              <a:rPr lang="ko-KR" altLang="en-US" dirty="0" smtClean="0">
+              <a:rPr lang="ko-KR" altLang="en-US" dirty="0">
                 <a:latin typeface="KoPub돋움체 Bold" pitchFamily="2" charset="-127"/>
                 <a:ea typeface="KoPub돋움체 Bold" pitchFamily="2" charset="-127"/>
               </a:rPr>
               <a:t>회차 </a:t>
             </a:r>
             <a:r>
-              <a:rPr lang="en-US" altLang="ko-KR" dirty="0" smtClean="0">
+              <a:rPr lang="en-US" altLang="ko-KR" dirty="0">
                 <a:latin typeface="KoPub돋움체 Bold" pitchFamily="2" charset="-127"/>
                 <a:ea typeface="KoPub돋움체 Bold" pitchFamily="2" charset="-127"/>
                 <a:sym typeface="Wingdings" pitchFamily="2" charset="2"/>
@@ -3605,21 +3725,21 @@
           <a:p>
             <a:pPr algn="ctr"/>
             <a:r>
-              <a:rPr lang="en-US" altLang="ko-KR" dirty="0" smtClean="0">
+              <a:rPr lang="en-US" altLang="ko-KR" dirty="0">
                 <a:latin typeface="KoPub돋움체 Bold" pitchFamily="2" charset="-127"/>
                 <a:ea typeface="KoPub돋움체 Bold" pitchFamily="2" charset="-127"/>
               </a:rPr>
               <a:t>4</a:t>
             </a:r>
             <a:r>
-              <a:rPr lang="ko-KR" altLang="en-US" dirty="0" smtClean="0">
+              <a:rPr lang="ko-KR" altLang="en-US" dirty="0">
                 <a:latin typeface="KoPub돋움체 Bold" pitchFamily="2" charset="-127"/>
                 <a:ea typeface="KoPub돋움체 Bold" pitchFamily="2" charset="-127"/>
               </a:rPr>
               <a:t>회차 </a:t>
             </a:r>
             <a:r>
-              <a:rPr lang="en-US" altLang="ko-KR" dirty="0" smtClean="0">
+              <a:rPr lang="en-US" altLang="ko-KR" dirty="0">
                 <a:latin typeface="KoPub돋움체 Bold" pitchFamily="2" charset="-127"/>
                 <a:ea typeface="KoPub돋움체 Bold" pitchFamily="2" charset="-127"/>
                 <a:sym typeface="Wingdings" pitchFamily="2" charset="2"/>
@@ -3657,21 +3777,21 @@
           <a:p>
             <a:pPr algn="ctr"/>
             <a:r>
-              <a:rPr lang="en-US" altLang="ko-KR" dirty="0" smtClean="0">
+              <a:rPr lang="en-US" altLang="ko-KR" dirty="0">
                 <a:latin typeface="KoPub돋움체 Bold" pitchFamily="2" charset="-127"/>
                 <a:ea typeface="KoPub돋움체 Bold" pitchFamily="2" charset="-127"/>
               </a:rPr>
               <a:t>5</a:t>
             </a:r>
             <a:r>
-              <a:rPr lang="ko-KR" altLang="en-US" dirty="0" smtClean="0">
+              <a:rPr lang="ko-KR" altLang="en-US" dirty="0">
                 <a:latin typeface="KoPub돋움체 Bold" pitchFamily="2" charset="-127"/>
                 <a:ea typeface="KoPub돋움체 Bold" pitchFamily="2" charset="-127"/>
               </a:rPr>
               <a:t>회차 </a:t>
             </a:r>
             <a:r>
-              <a:rPr lang="en-US" altLang="ko-KR" dirty="0" smtClean="0">
+              <a:rPr lang="en-US" altLang="ko-KR" dirty="0">
                 <a:latin typeface="KoPub돋움체 Bold" pitchFamily="2" charset="-127"/>
                 <a:ea typeface="KoPub돋움체 Bold" pitchFamily="2" charset="-127"/>
                 <a:sym typeface="Wingdings" pitchFamily="2" charset="2"/>
@@ -3786,7 +3906,574 @@
 </p:sld>
 </file>
 
-<file path=ppt/slides/slide3.xml><?xml version="1.0" encoding="utf-8"?>
+<file path=ppt/slides/slide4.xml><?xml version="1.0" encoding="utf-8"?>
+<p:sld xmlns:a="http://schemas.openxmlformats.org/drawingml/2006/main" xmlns:r="http://schemas.openxmlformats.org/officeDocument/2006/relationships" xmlns:p="http://schemas.openxmlformats.org/presentationml/2006/main">
+  <p:cSld>
+    <p:spTree>
+      <p:nvGrpSpPr>
+        <p:cNvPr id="1" name=""/>
+        <p:cNvGrpSpPr/>
+        <p:nvPr/>
+      </p:nvGrpSpPr>
+      <p:grpSpPr>
+        <a:xfrm>
+          <a:off x="0" y="0"/>
+          <a:ext cx="0" cy="0"/>
+          <a:chOff x="0" y="0"/>
+          <a:chExt cx="0" cy="0"/>
+        </a:xfrm>
+      </p:grpSpPr>
+      <p:pic>
+        <p:nvPicPr>
+          <p:cNvPr id="2052" name="Picture 4"/>
+          <p:cNvPicPr>
+            <a:picLocks noChangeAspect="1" noChangeArrowheads="1"/>
+          </p:cNvPicPr>
+          <p:nvPr/>
+        </p:nvPicPr>
+        <p:blipFill>
+          <a:blip r:embed="rId2">
+            <a:extLst>
+              <a:ext uri="{28A0092B-C50C-407E-A947-70E740481C1C}">
+                <a14:useLocalDpi xmlns:a14="http://schemas.microsoft.com/office/drawing/2010/main" val="0"/>
+              </a:ext>
+            </a:extLst>
+          </a:blip>
+          <a:srcRect/>
+          <a:stretch>
+            <a:fillRect/>
+          </a:stretch>
+        </p:blipFill>
+        <p:spPr bwMode="auto">
+          <a:xfrm>
+            <a:off x="2380696" y="1433513"/>
+            <a:ext cx="5324475" cy="3990975"/>
+          </a:xfrm>
+          <a:prstGeom prst="rect">
+            <a:avLst/>
+          </a:prstGeom>
+          <a:noFill/>
+          <a:ln>
+            <a:noFill/>
+          </a:ln>
+          <a:effectLst/>
+          <a:extLst>
+            <a:ext uri="{909E8E84-426E-40DD-AFC4-6F175D3DCCD1}">
+              <a14:hiddenFill xmlns:a14="http://schemas.microsoft.com/office/drawing/2010/main">
+                <a:solidFill>
+                  <a:schemeClr val="accent1"/>
+                </a:solidFill>
+              </a14:hiddenFill>
+            </a:ext>
+            <a:ext uri="{91240B29-F687-4F45-9708-019B960494DF}">
+              <a14:hiddenLine xmlns:a14="http://schemas.microsoft.com/office/drawing/2010/main" w="9525">
+                <a:solidFill>
+                  <a:schemeClr val="tx1"/>
+                </a:solidFill>
+                <a:miter lim="800000"/>
+                <a:headEnd/>
+                <a:tailEnd/>
+              </a14:hiddenLine>
+            </a:ext>
+            <a:ext uri="{AF507438-7753-43E0-B8FC-AC1667EBCBE1}">
+              <a14:hiddenEffects xmlns:a14="http://schemas.microsoft.com/office/drawing/2010/main">
+                <a:effectLst>
+                  <a:outerShdw dist="35921" dir="2700000" algn="ctr" rotWithShape="0">
+                    <a:schemeClr val="bg2"/>
+                  </a:outerShdw>
+                </a:effectLst>
+              </a14:hiddenEffects>
+            </a:ext>
+          </a:extLst>
+        </p:spPr>
+      </p:pic>
+      <p:sp>
+        <p:nvSpPr>
+          <p:cNvPr id="7" name="TextBox 6"/>
+          <p:cNvSpPr txBox="1"/>
+          <p:nvPr/>
+        </p:nvSpPr>
+        <p:spPr>
+          <a:xfrm>
+            <a:off x="3092632" y="764704"/>
+            <a:ext cx="3900619" cy="369332"/>
+          </a:xfrm>
+          <a:prstGeom prst="rect">
+            <a:avLst/>
+          </a:prstGeom>
+          <a:noFill/>
+        </p:spPr>
+        <p:txBody>
+          <a:bodyPr wrap="none" rtlCol="0">
+            <a:spAutoFit/>
+          </a:bodyPr>
+          <a:lstStyle/>
+          <a:p>
+            <a:pPr algn="ctr"/>
+            <a:r>
+              <a:rPr lang="en-US" altLang="ko-KR" dirty="0">
+                <a:latin typeface="KoPub돋움체 Bold" pitchFamily="2" charset="-127"/>
+                <a:ea typeface="KoPub돋움체 Bold" pitchFamily="2" charset="-127"/>
+              </a:rPr>
+              <a:t>re-organized dataset via resampling</a:t>
+            </a:r>
+            <a:endParaRPr lang="ko-KR" altLang="en-US" dirty="0">
+              <a:latin typeface="KoPub돋움체 Bold" pitchFamily="2" charset="-127"/>
+              <a:ea typeface="KoPub돋움체 Bold" pitchFamily="2" charset="-127"/>
+            </a:endParaRPr>
+          </a:p>
+        </p:txBody>
+      </p:sp>
+      <mc:AlternateContent xmlns:mc="http://schemas.openxmlformats.org/markup-compatibility/2006" xmlns:a14="http://schemas.microsoft.com/office/drawing/2010/main">
+        <mc:Choice Requires="a14">
+          <p:sp>
+            <p:nvSpPr>
+              <p:cNvPr id="8" name="TextBox 7"/>
+              <p:cNvSpPr txBox="1"/>
+              <p:nvPr/>
+            </p:nvSpPr>
+            <p:spPr>
+              <a:xfrm>
+                <a:off x="5069518" y="5424487"/>
+                <a:ext cx="261447" cy="461665"/>
+              </a:xfrm>
+              <a:prstGeom prst="rect">
+                <a:avLst/>
+              </a:prstGeom>
+              <a:noFill/>
+            </p:spPr>
+            <p:txBody>
+              <a:bodyPr wrap="square" rtlCol="0">
+                <a:spAutoFit/>
+              </a:bodyPr>
+              <a:lstStyle/>
+              <a:p>
+                <a:pPr algn="ctr"/>
+                <a14:m>
+                  <m:oMathPara xmlns:m="http://schemas.openxmlformats.org/officeDocument/2006/math">
+                    <m:oMathParaPr>
+                      <m:jc m:val="center"/>
+                    </m:oMathParaPr>
+                    <m:oMath xmlns:m="http://schemas.openxmlformats.org/officeDocument/2006/math">
+                      <m:r>
+                        <a:rPr lang="en-US" altLang="ko-KR" sz="2400" b="0" i="1" smtClean="0">
+                          <a:latin typeface="Cambria Math"/>
+                          <a:ea typeface="KoPub돋움체 Bold" pitchFamily="2" charset="-127"/>
+                        </a:rPr>
+                        <m:t>⋮</m:t>
+                      </m:r>
+                    </m:oMath>
+                  </m:oMathPara>
+                </a14:m>
+                <a:endParaRPr lang="ko-KR" altLang="en-US" sz="2400" dirty="0">
+                  <a:latin typeface="KoPub돋움체 Bold" pitchFamily="2" charset="-127"/>
+                  <a:ea typeface="KoPub돋움체 Bold" pitchFamily="2" charset="-127"/>
+                </a:endParaRPr>
+              </a:p>
+            </p:txBody>
+          </p:sp>
+        </mc:Choice>
+        <mc:Fallback xmlns="">
+          <p:sp>
+            <p:nvSpPr>
+              <p:cNvPr id="8" name="TextBox 7"/>
+              <p:cNvSpPr txBox="1">
+                <a:spLocks noRot="1" noChangeAspect="1" noMove="1" noResize="1" noEditPoints="1" noAdjustHandles="1" noChangeArrowheads="1" noChangeShapeType="1" noTextEdit="1"/>
+              </p:cNvSpPr>
+              <p:nvPr/>
+            </p:nvSpPr>
+            <p:spPr>
+              <a:xfrm>
+                <a:off x="5069518" y="5424487"/>
+                <a:ext cx="261447" cy="461665"/>
+              </a:xfrm>
+              <a:prstGeom prst="rect">
+                <a:avLst/>
+              </a:prstGeom>
+              <a:blipFill rotWithShape="1">
+                <a:blip r:embed="rId3"/>
+                <a:stretch>
+                  <a:fillRect l="-25581"/>
+                </a:stretch>
+              </a:blipFill>
+            </p:spPr>
+            <p:txBody>
+              <a:bodyPr/>
+              <a:lstStyle/>
+              <a:p>
+                <a:r>
+                  <a:rPr lang="ko-KR" altLang="en-US">
+                    <a:noFill/>
+                  </a:rPr>
+                  <a:t> </a:t>
+                </a:r>
+              </a:p>
+            </p:txBody>
+          </p:sp>
+        </mc:Fallback>
+      </mc:AlternateContent>
+      <p:sp>
+        <p:nvSpPr>
+          <p:cNvPr id="9" name="TextBox 8"/>
+          <p:cNvSpPr txBox="1"/>
+          <p:nvPr/>
+        </p:nvSpPr>
+        <p:spPr>
+          <a:xfrm>
+            <a:off x="811911" y="1556792"/>
+            <a:ext cx="2004203" cy="369332"/>
+          </a:xfrm>
+          <a:prstGeom prst="rect">
+            <a:avLst/>
+          </a:prstGeom>
+          <a:noFill/>
+        </p:spPr>
+        <p:txBody>
+          <a:bodyPr wrap="none" rtlCol="0">
+            <a:spAutoFit/>
+          </a:bodyPr>
+          <a:lstStyle/>
+          <a:p>
+            <a:pPr algn="ctr"/>
+            <a:r>
+              <a:rPr lang="en-US" altLang="ko-KR" dirty="0">
+                <a:latin typeface="KoPub돋움체 Bold" pitchFamily="2" charset="-127"/>
+                <a:ea typeface="KoPub돋움체 Bold" pitchFamily="2" charset="-127"/>
+              </a:rPr>
+              <a:t>1st resampling</a:t>
+            </a:r>
+            <a:r>
+              <a:rPr lang="ko-KR" altLang="en-US" dirty="0">
+                <a:latin typeface="KoPub돋움체 Bold" pitchFamily="2" charset="-127"/>
+                <a:ea typeface="KoPub돋움체 Bold" pitchFamily="2" charset="-127"/>
+              </a:rPr>
+              <a:t> </a:t>
+            </a:r>
+            <a:r>
+              <a:rPr lang="en-US" altLang="ko-KR" dirty="0">
+                <a:latin typeface="KoPub돋움체 Bold" pitchFamily="2" charset="-127"/>
+                <a:ea typeface="KoPub돋움체 Bold" pitchFamily="2" charset="-127"/>
+                <a:sym typeface="Wingdings" pitchFamily="2" charset="2"/>
+              </a:rPr>
+              <a:t></a:t>
+            </a:r>
+            <a:endParaRPr lang="ko-KR" altLang="en-US" dirty="0">
+              <a:latin typeface="KoPub돋움체 Bold" pitchFamily="2" charset="-127"/>
+              <a:ea typeface="KoPub돋움체 Bold" pitchFamily="2" charset="-127"/>
+            </a:endParaRPr>
+          </a:p>
+        </p:txBody>
+      </p:sp>
+      <p:sp>
+        <p:nvSpPr>
+          <p:cNvPr id="10" name="TextBox 9"/>
+          <p:cNvSpPr txBox="1"/>
+          <p:nvPr/>
+        </p:nvSpPr>
+        <p:spPr>
+          <a:xfrm>
+            <a:off x="778697" y="2348880"/>
+            <a:ext cx="2070631" cy="369332"/>
+          </a:xfrm>
+          <a:prstGeom prst="rect">
+            <a:avLst/>
+          </a:prstGeom>
+          <a:noFill/>
+        </p:spPr>
+        <p:txBody>
+          <a:bodyPr wrap="none" rtlCol="0">
+            <a:spAutoFit/>
+          </a:bodyPr>
+          <a:lstStyle/>
+          <a:p>
+            <a:pPr algn="ctr"/>
+            <a:r>
+              <a:rPr lang="en-US" altLang="ko-KR" dirty="0">
+                <a:latin typeface="KoPub돋움체 Bold" pitchFamily="2" charset="-127"/>
+                <a:ea typeface="KoPub돋움체 Bold" pitchFamily="2" charset="-127"/>
+              </a:rPr>
+              <a:t>2nd resampling</a:t>
+            </a:r>
+            <a:r>
+              <a:rPr lang="ko-KR" altLang="en-US" dirty="0">
+                <a:latin typeface="KoPub돋움체 Bold" pitchFamily="2" charset="-127"/>
+                <a:ea typeface="KoPub돋움체 Bold" pitchFamily="2" charset="-127"/>
+              </a:rPr>
+              <a:t> </a:t>
+            </a:r>
+            <a:r>
+              <a:rPr lang="en-US" altLang="ko-KR" dirty="0">
+                <a:latin typeface="KoPub돋움체 Bold" pitchFamily="2" charset="-127"/>
+                <a:ea typeface="KoPub돋움체 Bold" pitchFamily="2" charset="-127"/>
+                <a:sym typeface="Wingdings" pitchFamily="2" charset="2"/>
+              </a:rPr>
+              <a:t></a:t>
+            </a:r>
+            <a:endParaRPr lang="ko-KR" altLang="en-US" dirty="0">
+              <a:latin typeface="KoPub돋움체 Bold" pitchFamily="2" charset="-127"/>
+              <a:ea typeface="KoPub돋움체 Bold" pitchFamily="2" charset="-127"/>
+            </a:endParaRPr>
+          </a:p>
+        </p:txBody>
+      </p:sp>
+      <p:sp>
+        <p:nvSpPr>
+          <p:cNvPr id="11" name="TextBox 10"/>
+          <p:cNvSpPr txBox="1"/>
+          <p:nvPr/>
+        </p:nvSpPr>
+        <p:spPr>
+          <a:xfrm>
+            <a:off x="807934" y="3140968"/>
+            <a:ext cx="2012154" cy="369332"/>
+          </a:xfrm>
+          <a:prstGeom prst="rect">
+            <a:avLst/>
+          </a:prstGeom>
+          <a:noFill/>
+        </p:spPr>
+        <p:txBody>
+          <a:bodyPr wrap="none" rtlCol="0">
+            <a:spAutoFit/>
+          </a:bodyPr>
+          <a:lstStyle/>
+          <a:p>
+            <a:pPr algn="ctr"/>
+            <a:r>
+              <a:rPr lang="en-US" altLang="ko-KR" dirty="0">
+                <a:latin typeface="KoPub돋움체 Bold" pitchFamily="2" charset="-127"/>
+                <a:ea typeface="KoPub돋움체 Bold" pitchFamily="2" charset="-127"/>
+              </a:rPr>
+              <a:t>3rd resampling</a:t>
+            </a:r>
+            <a:r>
+              <a:rPr lang="ko-KR" altLang="en-US" dirty="0">
+                <a:latin typeface="KoPub돋움체 Bold" pitchFamily="2" charset="-127"/>
+                <a:ea typeface="KoPub돋움체 Bold" pitchFamily="2" charset="-127"/>
+              </a:rPr>
+              <a:t> </a:t>
+            </a:r>
+            <a:r>
+              <a:rPr lang="en-US" altLang="ko-KR" dirty="0">
+                <a:latin typeface="KoPub돋움체 Bold" pitchFamily="2" charset="-127"/>
+                <a:ea typeface="KoPub돋움체 Bold" pitchFamily="2" charset="-127"/>
+                <a:sym typeface="Wingdings" pitchFamily="2" charset="2"/>
+              </a:rPr>
+              <a:t></a:t>
+            </a:r>
+            <a:endParaRPr lang="ko-KR" altLang="en-US" dirty="0">
+              <a:latin typeface="KoPub돋움체 Bold" pitchFamily="2" charset="-127"/>
+              <a:ea typeface="KoPub돋움체 Bold" pitchFamily="2" charset="-127"/>
+            </a:endParaRPr>
+          </a:p>
+        </p:txBody>
+      </p:sp>
+      <p:sp>
+        <p:nvSpPr>
+          <p:cNvPr id="12" name="TextBox 11"/>
+          <p:cNvSpPr txBox="1"/>
+          <p:nvPr/>
+        </p:nvSpPr>
+        <p:spPr>
+          <a:xfrm>
+            <a:off x="804346" y="4005064"/>
+            <a:ext cx="2019335" cy="369332"/>
+          </a:xfrm>
+          <a:prstGeom prst="rect">
+            <a:avLst/>
+          </a:prstGeom>
+          <a:noFill/>
+        </p:spPr>
+        <p:txBody>
+          <a:bodyPr wrap="none" rtlCol="0">
+            <a:spAutoFit/>
+          </a:bodyPr>
+          <a:lstStyle/>
+          <a:p>
+            <a:pPr algn="ctr"/>
+            <a:r>
+              <a:rPr lang="en-US" altLang="ko-KR" dirty="0">
+                <a:latin typeface="KoPub돋움체 Bold" pitchFamily="2" charset="-127"/>
+                <a:ea typeface="KoPub돋움체 Bold" pitchFamily="2" charset="-127"/>
+              </a:rPr>
+              <a:t>4th resampling</a:t>
+            </a:r>
+            <a:r>
+              <a:rPr lang="ko-KR" altLang="en-US" dirty="0">
+                <a:latin typeface="KoPub돋움체 Bold" pitchFamily="2" charset="-127"/>
+                <a:ea typeface="KoPub돋움체 Bold" pitchFamily="2" charset="-127"/>
+              </a:rPr>
+              <a:t> </a:t>
+            </a:r>
+            <a:r>
+              <a:rPr lang="en-US" altLang="ko-KR" dirty="0">
+                <a:latin typeface="KoPub돋움체 Bold" pitchFamily="2" charset="-127"/>
+                <a:ea typeface="KoPub돋움체 Bold" pitchFamily="2" charset="-127"/>
+                <a:sym typeface="Wingdings" pitchFamily="2" charset="2"/>
+              </a:rPr>
+              <a:t></a:t>
+            </a:r>
+            <a:endParaRPr lang="ko-KR" altLang="en-US" dirty="0">
+              <a:latin typeface="KoPub돋움체 Bold" pitchFamily="2" charset="-127"/>
+              <a:ea typeface="KoPub돋움체 Bold" pitchFamily="2" charset="-127"/>
+            </a:endParaRPr>
+          </a:p>
+        </p:txBody>
+      </p:sp>
+      <p:sp>
+        <p:nvSpPr>
+          <p:cNvPr id="13" name="TextBox 12"/>
+          <p:cNvSpPr txBox="1"/>
+          <p:nvPr/>
+        </p:nvSpPr>
+        <p:spPr>
+          <a:xfrm>
+            <a:off x="804345" y="4797152"/>
+            <a:ext cx="2019335" cy="369332"/>
+          </a:xfrm>
+          <a:prstGeom prst="rect">
+            <a:avLst/>
+          </a:prstGeom>
+          <a:noFill/>
+        </p:spPr>
+        <p:txBody>
+          <a:bodyPr wrap="none" rtlCol="0">
+            <a:spAutoFit/>
+          </a:bodyPr>
+          <a:lstStyle/>
+          <a:p>
+            <a:pPr algn="ctr"/>
+            <a:r>
+              <a:rPr lang="en-US" altLang="ko-KR" dirty="0">
+                <a:latin typeface="KoPub돋움체 Bold" pitchFamily="2" charset="-127"/>
+                <a:ea typeface="KoPub돋움체 Bold" pitchFamily="2" charset="-127"/>
+              </a:rPr>
+              <a:t>5th resampling</a:t>
+            </a:r>
+            <a:r>
+              <a:rPr lang="ko-KR" altLang="en-US" dirty="0">
+                <a:latin typeface="KoPub돋움체 Bold" pitchFamily="2" charset="-127"/>
+                <a:ea typeface="KoPub돋움체 Bold" pitchFamily="2" charset="-127"/>
+              </a:rPr>
+              <a:t> </a:t>
+            </a:r>
+            <a:r>
+              <a:rPr lang="en-US" altLang="ko-KR" dirty="0">
+                <a:latin typeface="KoPub돋움체 Bold" pitchFamily="2" charset="-127"/>
+                <a:ea typeface="KoPub돋움체 Bold" pitchFamily="2" charset="-127"/>
+                <a:sym typeface="Wingdings" pitchFamily="2" charset="2"/>
+              </a:rPr>
+              <a:t></a:t>
+            </a:r>
+            <a:endParaRPr lang="ko-KR" altLang="en-US" dirty="0">
+              <a:latin typeface="KoPub돋움체 Bold" pitchFamily="2" charset="-127"/>
+              <a:ea typeface="KoPub돋움체 Bold" pitchFamily="2" charset="-127"/>
+            </a:endParaRPr>
+          </a:p>
+        </p:txBody>
+      </p:sp>
+      <mc:AlternateContent xmlns:mc="http://schemas.openxmlformats.org/markup-compatibility/2006" xmlns:a14="http://schemas.microsoft.com/office/drawing/2010/main">
+        <mc:Choice Requires="a14">
+          <p:sp>
+            <p:nvSpPr>
+              <p:cNvPr id="14" name="TextBox 13"/>
+              <p:cNvSpPr txBox="1"/>
+              <p:nvPr/>
+            </p:nvSpPr>
+            <p:spPr>
+              <a:xfrm>
+                <a:off x="1814013" y="5424487"/>
+                <a:ext cx="261447" cy="461665"/>
+              </a:xfrm>
+              <a:prstGeom prst="rect">
+                <a:avLst/>
+              </a:prstGeom>
+              <a:noFill/>
+            </p:spPr>
+            <p:txBody>
+              <a:bodyPr wrap="square" rtlCol="0">
+                <a:spAutoFit/>
+              </a:bodyPr>
+              <a:lstStyle/>
+              <a:p>
+                <a:pPr algn="ctr"/>
+                <a14:m>
+                  <m:oMathPara xmlns:m="http://schemas.openxmlformats.org/officeDocument/2006/math">
+                    <m:oMathParaPr>
+                      <m:jc m:val="center"/>
+                    </m:oMathParaPr>
+                    <m:oMath xmlns:m="http://schemas.openxmlformats.org/officeDocument/2006/math">
+                      <m:r>
+                        <a:rPr lang="en-US" altLang="ko-KR" sz="2400" b="0" i="1" smtClean="0">
+                          <a:latin typeface="Cambria Math"/>
+                          <a:ea typeface="KoPub돋움체 Bold" pitchFamily="2" charset="-127"/>
+                        </a:rPr>
+                        <m:t>⋮</m:t>
+                      </m:r>
+                    </m:oMath>
+                  </m:oMathPara>
+                </a14:m>
+                <a:endParaRPr lang="ko-KR" altLang="en-US" sz="2400" dirty="0">
+                  <a:latin typeface="KoPub돋움체 Bold" pitchFamily="2" charset="-127"/>
+                  <a:ea typeface="KoPub돋움체 Bold" pitchFamily="2" charset="-127"/>
+                </a:endParaRPr>
+              </a:p>
+            </p:txBody>
+          </p:sp>
+        </mc:Choice>
+        <mc:Fallback xmlns="">
+          <p:sp>
+            <p:nvSpPr>
+              <p:cNvPr id="14" name="TextBox 13"/>
+              <p:cNvSpPr txBox="1">
+                <a:spLocks noRot="1" noChangeAspect="1" noMove="1" noResize="1" noEditPoints="1" noAdjustHandles="1" noChangeArrowheads="1" noChangeShapeType="1" noTextEdit="1"/>
+              </p:cNvSpPr>
+              <p:nvPr/>
+            </p:nvSpPr>
+            <p:spPr>
+              <a:xfrm>
+                <a:off x="1814013" y="5424487"/>
+                <a:ext cx="261447" cy="461665"/>
+              </a:xfrm>
+              <a:prstGeom prst="rect">
+                <a:avLst/>
+              </a:prstGeom>
+              <a:blipFill rotWithShape="1">
+                <a:blip r:embed="rId4"/>
+                <a:stretch>
+                  <a:fillRect l="-26190"/>
+                </a:stretch>
+              </a:blipFill>
+            </p:spPr>
+            <p:txBody>
+              <a:bodyPr/>
+              <a:lstStyle/>
+              <a:p>
+                <a:r>
+                  <a:rPr lang="ko-KR" altLang="en-US">
+                    <a:noFill/>
+                  </a:rPr>
+                  <a:t> </a:t>
+                </a:r>
+              </a:p>
+            </p:txBody>
+          </p:sp>
+        </mc:Fallback>
+      </mc:AlternateContent>
+    </p:spTree>
+    <p:extLst>
+      <p:ext uri="{BB962C8B-B14F-4D97-AF65-F5344CB8AC3E}">
+        <p14:creationId xmlns:p14="http://schemas.microsoft.com/office/powerpoint/2010/main" val="475114659"/>
+      </p:ext>
+    </p:extLst>
+  </p:cSld>
+  <p:clrMapOvr>
+    <a:masterClrMapping/>
+  </p:clrMapOvr>
+</p:sld>
+</file>
+
+<file path=ppt/slides/slide5.xml><?xml version="1.0" encoding="utf-8"?>
 <p:sld xmlns:a="http://schemas.openxmlformats.org/drawingml/2006/main" xmlns:r="http://schemas.openxmlformats.org/officeDocument/2006/relationships" xmlns:p="http://schemas.openxmlformats.org/presentationml/2006/main">
   <p:cSld>
     <p:spTree>
@@ -3880,7 +4567,7 @@
 </p:sld>
 </file>
 
-<file path=ppt/slides/slide4.xml><?xml version="1.0" encoding="utf-8"?>
+<file path=ppt/slides/slide6.xml><?xml version="1.0" encoding="utf-8"?>
 <p:sld xmlns:a="http://schemas.openxmlformats.org/drawingml/2006/main" xmlns:r="http://schemas.openxmlformats.org/officeDocument/2006/relationships" xmlns:p="http://schemas.openxmlformats.org/presentationml/2006/main">
   <p:cSld>
     <p:spTree>
